--- a/analysis/results/archive/us_wtivs/post_proc.pptx
+++ b/analysis/results/archive/us_wtivs/post_proc.pptx
@@ -23,6 +23,14 @@
     <p:sldId id="271" r:id="rId21"/>
     <p:sldId id="272" r:id="rId22"/>
     <p:sldId id="273" r:id="rId23"/>
+    <p:sldId id="274" r:id="rId24"/>
+    <p:sldId id="275" r:id="rId25"/>
+    <p:sldId id="276" r:id="rId26"/>
+    <p:sldId id="277" r:id="rId27"/>
+    <p:sldId id="278" r:id="rId28"/>
+    <p:sldId id="279" r:id="rId29"/>
+    <p:sldId id="280" r:id="rId30"/>
+    <p:sldId id="281" r:id="rId31"/>
   </p:sldIdLst>
   <p:sldSz cx="12192000" cy="6858000"/>
   <p:notesSz cx="6858000" cy="9144000"/>
@@ -3050,7 +3058,7 @@
         <p:spPr>
           <a:xfrm>
             <a:off x="0" y="566928"/>
-            <a:ext cx="12188952" cy="5395815"/>
+            <a:ext cx="12188952" cy="5345654"/>
           </a:xfrm>
           <a:prstGeom prst="rect">
             <a:avLst/>
@@ -3091,7 +3099,7 @@
           <a:lstStyle/>
           <a:p>
             <a:r>
-              <a:t>Vessel Investment by Scenario</a:t>
+              <a:t>Full Gantt</a:t>
             </a:r>
           </a:p>
         </p:txBody>
@@ -3113,7 +3121,7 @@
         <p:spPr>
           <a:xfrm>
             <a:off x="0" y="566928"/>
-            <a:ext cx="12188952" cy="4984778"/>
+            <a:ext cx="3886200" cy="4932081"/>
           </a:xfrm>
           <a:prstGeom prst="rect">
             <a:avLst/>
@@ -3154,7 +3162,7 @@
           <a:lstStyle/>
           <a:p>
             <a:r>
-              <a:t>Installed Capacity</a:t>
+              <a:t>Port Throughput</a:t>
             </a:r>
           </a:p>
         </p:txBody>
@@ -3176,7 +3184,70 @@
         <p:spPr>
           <a:xfrm>
             <a:off x="0" y="566928"/>
-            <a:ext cx="12188952" cy="5062776"/>
+            <a:ext cx="12188952" cy="8247478"/>
+          </a:xfrm>
+          <a:prstGeom prst="rect">
+            <a:avLst/>
+          </a:prstGeom>
+        </p:spPr>
+      </p:pic>
+    </p:spTree>
+  </p:cSld>
+  <p:clrMapOvr>
+    <a:masterClrMapping/>
+  </p:clrMapOvr>
+</p:sld>
+</file>
+
+<file path=ppt/slides/slide19.xml><?xml version="1.0" encoding="utf-8"?>
+<p:sld xmlns:a="http://schemas.openxmlformats.org/drawingml/2006/main" xmlns:p="http://schemas.openxmlformats.org/presentationml/2006/main" xmlns:r="http://schemas.openxmlformats.org/officeDocument/2006/relationships">
+  <p:cSld>
+    <p:spTree>
+      <p:nvGrpSpPr>
+        <p:cNvPr id="1" name=""/>
+        <p:cNvGrpSpPr/>
+        <p:nvPr/>
+      </p:nvGrpSpPr>
+      <p:grpSpPr/>
+      <p:sp>
+        <p:nvSpPr>
+          <p:cNvPr id="2" name="Title 1"/>
+          <p:cNvSpPr>
+            <a:spLocks noGrp="1"/>
+          </p:cNvSpPr>
+          <p:nvPr>
+            <p:ph type="title"/>
+          </p:nvPr>
+        </p:nvSpPr>
+        <p:spPr/>
+        <p:txBody>
+          <a:bodyPr/>
+          <a:lstStyle/>
+          <a:p>
+            <a:r>
+              <a:t>Vessel Utilization</a:t>
+            </a:r>
+          </a:p>
+        </p:txBody>
+      </p:sp>
+      <p:pic>
+        <p:nvPicPr>
+          <p:cNvPr id="3" name="Picture 2" descr="image.png"/>
+          <p:cNvPicPr>
+            <a:picLocks noChangeAspect="1"/>
+          </p:cNvPicPr>
+          <p:nvPr/>
+        </p:nvPicPr>
+        <p:blipFill>
+          <a:blip r:embed="rId2"/>
+          <a:stretch>
+            <a:fillRect/>
+          </a:stretch>
+        </p:blipFill>
+        <p:spPr>
+          <a:xfrm>
+            <a:off x="0" y="566928"/>
+            <a:ext cx="12188952" cy="5195768"/>
           </a:xfrm>
           <a:prstGeom prst="rect">
             <a:avLst/>
@@ -3254,6 +3325,447 @@
 </p:sld>
 </file>
 
+<file path=ppt/slides/slide20.xml><?xml version="1.0" encoding="utf-8"?>
+<p:sld xmlns:a="http://schemas.openxmlformats.org/drawingml/2006/main" xmlns:p="http://schemas.openxmlformats.org/presentationml/2006/main" xmlns:r="http://schemas.openxmlformats.org/officeDocument/2006/relationships">
+  <p:cSld>
+    <p:spTree>
+      <p:nvGrpSpPr>
+        <p:cNvPr id="1" name=""/>
+        <p:cNvGrpSpPr/>
+        <p:nvPr/>
+      </p:nvGrpSpPr>
+      <p:grpSpPr/>
+      <p:sp>
+        <p:nvSpPr>
+          <p:cNvPr id="2" name="Title 1"/>
+          <p:cNvSpPr>
+            <a:spLocks noGrp="1"/>
+          </p:cNvSpPr>
+          <p:nvPr>
+            <p:ph type="title"/>
+          </p:nvPr>
+        </p:nvSpPr>
+        <p:spPr/>
+        <p:txBody>
+          <a:bodyPr/>
+          <a:lstStyle/>
+          <a:p>
+            <a:r>
+              <a:t>Vessel Investment</a:t>
+            </a:r>
+          </a:p>
+        </p:txBody>
+      </p:sp>
+      <p:pic>
+        <p:nvPicPr>
+          <p:cNvPr id="3" name="Picture 2" descr="image.png"/>
+          <p:cNvPicPr>
+            <a:picLocks noChangeAspect="1"/>
+          </p:cNvPicPr>
+          <p:nvPr/>
+        </p:nvPicPr>
+        <p:blipFill>
+          <a:blip r:embed="rId2"/>
+          <a:stretch>
+            <a:fillRect/>
+          </a:stretch>
+        </p:blipFill>
+        <p:spPr>
+          <a:xfrm>
+            <a:off x="0" y="566928"/>
+            <a:ext cx="12188952" cy="5296770"/>
+          </a:xfrm>
+          <a:prstGeom prst="rect">
+            <a:avLst/>
+          </a:prstGeom>
+        </p:spPr>
+      </p:pic>
+    </p:spTree>
+  </p:cSld>
+  <p:clrMapOvr>
+    <a:masterClrMapping/>
+  </p:clrMapOvr>
+</p:sld>
+</file>
+
+<file path=ppt/slides/slide21.xml><?xml version="1.0" encoding="utf-8"?>
+<p:sld xmlns:a="http://schemas.openxmlformats.org/drawingml/2006/main" xmlns:p="http://schemas.openxmlformats.org/presentationml/2006/main" xmlns:r="http://schemas.openxmlformats.org/officeDocument/2006/relationships">
+  <p:cSld>
+    <p:spTree>
+      <p:nvGrpSpPr>
+        <p:cNvPr id="1" name=""/>
+        <p:cNvGrpSpPr/>
+        <p:nvPr/>
+      </p:nvGrpSpPr>
+      <p:grpSpPr/>
+      <p:sp>
+        <p:nvSpPr>
+          <p:cNvPr id="2" name="Title 1"/>
+          <p:cNvSpPr>
+            <a:spLocks noGrp="1"/>
+          </p:cNvSpPr>
+          <p:nvPr>
+            <p:ph type="title"/>
+          </p:nvPr>
+        </p:nvSpPr>
+        <p:spPr/>
+        <p:txBody>
+          <a:bodyPr/>
+          <a:lstStyle/>
+          <a:p>
+            <a:r>
+              <a:t>Full Gantt</a:t>
+            </a:r>
+          </a:p>
+        </p:txBody>
+      </p:sp>
+      <p:pic>
+        <p:nvPicPr>
+          <p:cNvPr id="3" name="Picture 2" descr="image.png"/>
+          <p:cNvPicPr>
+            <a:picLocks noChangeAspect="1"/>
+          </p:cNvPicPr>
+          <p:nvPr/>
+        </p:nvPicPr>
+        <p:blipFill>
+          <a:blip r:embed="rId2"/>
+          <a:stretch>
+            <a:fillRect/>
+          </a:stretch>
+        </p:blipFill>
+        <p:spPr>
+          <a:xfrm>
+            <a:off x="0" y="566928"/>
+            <a:ext cx="3886200" cy="4932081"/>
+          </a:xfrm>
+          <a:prstGeom prst="rect">
+            <a:avLst/>
+          </a:prstGeom>
+        </p:spPr>
+      </p:pic>
+    </p:spTree>
+  </p:cSld>
+  <p:clrMapOvr>
+    <a:masterClrMapping/>
+  </p:clrMapOvr>
+</p:sld>
+</file>
+
+<file path=ppt/slides/slide22.xml><?xml version="1.0" encoding="utf-8"?>
+<p:sld xmlns:a="http://schemas.openxmlformats.org/drawingml/2006/main" xmlns:p="http://schemas.openxmlformats.org/presentationml/2006/main" xmlns:r="http://schemas.openxmlformats.org/officeDocument/2006/relationships">
+  <p:cSld>
+    <p:spTree>
+      <p:nvGrpSpPr>
+        <p:cNvPr id="1" name=""/>
+        <p:cNvGrpSpPr/>
+        <p:nvPr/>
+      </p:nvGrpSpPr>
+      <p:grpSpPr/>
+      <p:sp>
+        <p:nvSpPr>
+          <p:cNvPr id="2" name="Title 1"/>
+          <p:cNvSpPr>
+            <a:spLocks noGrp="1"/>
+          </p:cNvSpPr>
+          <p:nvPr>
+            <p:ph type="title"/>
+          </p:nvPr>
+        </p:nvSpPr>
+        <p:spPr/>
+        <p:txBody>
+          <a:bodyPr/>
+          <a:lstStyle/>
+          <a:p>
+            <a:r>
+              <a:t>Port Throughput</a:t>
+            </a:r>
+          </a:p>
+        </p:txBody>
+      </p:sp>
+      <p:pic>
+        <p:nvPicPr>
+          <p:cNvPr id="3" name="Picture 2" descr="image.png"/>
+          <p:cNvPicPr>
+            <a:picLocks noChangeAspect="1"/>
+          </p:cNvPicPr>
+          <p:nvPr/>
+        </p:nvPicPr>
+        <p:blipFill>
+          <a:blip r:embed="rId2"/>
+          <a:stretch>
+            <a:fillRect/>
+          </a:stretch>
+        </p:blipFill>
+        <p:spPr>
+          <a:xfrm>
+            <a:off x="0" y="566928"/>
+            <a:ext cx="12188952" cy="8247478"/>
+          </a:xfrm>
+          <a:prstGeom prst="rect">
+            <a:avLst/>
+          </a:prstGeom>
+        </p:spPr>
+      </p:pic>
+    </p:spTree>
+  </p:cSld>
+  <p:clrMapOvr>
+    <a:masterClrMapping/>
+  </p:clrMapOvr>
+</p:sld>
+</file>
+
+<file path=ppt/slides/slide23.xml><?xml version="1.0" encoding="utf-8"?>
+<p:sld xmlns:a="http://schemas.openxmlformats.org/drawingml/2006/main" xmlns:p="http://schemas.openxmlformats.org/presentationml/2006/main" xmlns:r="http://schemas.openxmlformats.org/officeDocument/2006/relationships">
+  <p:cSld>
+    <p:spTree>
+      <p:nvGrpSpPr>
+        <p:cNvPr id="1" name=""/>
+        <p:cNvGrpSpPr/>
+        <p:nvPr/>
+      </p:nvGrpSpPr>
+      <p:grpSpPr/>
+      <p:sp>
+        <p:nvSpPr>
+          <p:cNvPr id="2" name="Title 1"/>
+          <p:cNvSpPr>
+            <a:spLocks noGrp="1"/>
+          </p:cNvSpPr>
+          <p:nvPr>
+            <p:ph type="title"/>
+          </p:nvPr>
+        </p:nvSpPr>
+        <p:spPr/>
+        <p:txBody>
+          <a:bodyPr/>
+          <a:lstStyle/>
+          <a:p>
+            <a:r>
+              <a:t>Vessel Utilization</a:t>
+            </a:r>
+          </a:p>
+        </p:txBody>
+      </p:sp>
+      <p:pic>
+        <p:nvPicPr>
+          <p:cNvPr id="3" name="Picture 2" descr="image.png"/>
+          <p:cNvPicPr>
+            <a:picLocks noChangeAspect="1"/>
+          </p:cNvPicPr>
+          <p:nvPr/>
+        </p:nvPicPr>
+        <p:blipFill>
+          <a:blip r:embed="rId2"/>
+          <a:stretch>
+            <a:fillRect/>
+          </a:stretch>
+        </p:blipFill>
+        <p:spPr>
+          <a:xfrm>
+            <a:off x="0" y="566928"/>
+            <a:ext cx="12188952" cy="5195768"/>
+          </a:xfrm>
+          <a:prstGeom prst="rect">
+            <a:avLst/>
+          </a:prstGeom>
+        </p:spPr>
+      </p:pic>
+    </p:spTree>
+  </p:cSld>
+  <p:clrMapOvr>
+    <a:masterClrMapping/>
+  </p:clrMapOvr>
+</p:sld>
+</file>
+
+<file path=ppt/slides/slide24.xml><?xml version="1.0" encoding="utf-8"?>
+<p:sld xmlns:a="http://schemas.openxmlformats.org/drawingml/2006/main" xmlns:p="http://schemas.openxmlformats.org/presentationml/2006/main" xmlns:r="http://schemas.openxmlformats.org/officeDocument/2006/relationships">
+  <p:cSld>
+    <p:spTree>
+      <p:nvGrpSpPr>
+        <p:cNvPr id="1" name=""/>
+        <p:cNvGrpSpPr/>
+        <p:nvPr/>
+      </p:nvGrpSpPr>
+      <p:grpSpPr/>
+      <p:sp>
+        <p:nvSpPr>
+          <p:cNvPr id="2" name="Title 1"/>
+          <p:cNvSpPr>
+            <a:spLocks noGrp="1"/>
+          </p:cNvSpPr>
+          <p:nvPr>
+            <p:ph type="title"/>
+          </p:nvPr>
+        </p:nvSpPr>
+        <p:spPr/>
+        <p:txBody>
+          <a:bodyPr/>
+          <a:lstStyle/>
+          <a:p>
+            <a:r>
+              <a:t>Vessel Investment</a:t>
+            </a:r>
+          </a:p>
+        </p:txBody>
+      </p:sp>
+      <p:pic>
+        <p:nvPicPr>
+          <p:cNvPr id="3" name="Picture 2" descr="image.png"/>
+          <p:cNvPicPr>
+            <a:picLocks noChangeAspect="1"/>
+          </p:cNvPicPr>
+          <p:nvPr/>
+        </p:nvPicPr>
+        <p:blipFill>
+          <a:blip r:embed="rId2"/>
+          <a:stretch>
+            <a:fillRect/>
+          </a:stretch>
+        </p:blipFill>
+        <p:spPr>
+          <a:xfrm>
+            <a:off x="0" y="566928"/>
+            <a:ext cx="12188952" cy="5345654"/>
+          </a:xfrm>
+          <a:prstGeom prst="rect">
+            <a:avLst/>
+          </a:prstGeom>
+        </p:spPr>
+      </p:pic>
+    </p:spTree>
+  </p:cSld>
+  <p:clrMapOvr>
+    <a:masterClrMapping/>
+  </p:clrMapOvr>
+</p:sld>
+</file>
+
+<file path=ppt/slides/slide25.xml><?xml version="1.0" encoding="utf-8"?>
+<p:sld xmlns:a="http://schemas.openxmlformats.org/drawingml/2006/main" xmlns:p="http://schemas.openxmlformats.org/presentationml/2006/main" xmlns:r="http://schemas.openxmlformats.org/officeDocument/2006/relationships">
+  <p:cSld>
+    <p:spTree>
+      <p:nvGrpSpPr>
+        <p:cNvPr id="1" name=""/>
+        <p:cNvGrpSpPr/>
+        <p:nvPr/>
+      </p:nvGrpSpPr>
+      <p:grpSpPr/>
+      <p:sp>
+        <p:nvSpPr>
+          <p:cNvPr id="2" name="Title 1"/>
+          <p:cNvSpPr>
+            <a:spLocks noGrp="1"/>
+          </p:cNvSpPr>
+          <p:nvPr>
+            <p:ph type="title"/>
+          </p:nvPr>
+        </p:nvSpPr>
+        <p:spPr/>
+        <p:txBody>
+          <a:bodyPr/>
+          <a:lstStyle/>
+          <a:p>
+            <a:r>
+              <a:t>Vessel Investment by Scenario</a:t>
+            </a:r>
+          </a:p>
+        </p:txBody>
+      </p:sp>
+      <p:pic>
+        <p:nvPicPr>
+          <p:cNvPr id="3" name="Picture 2" descr="image.png"/>
+          <p:cNvPicPr>
+            <a:picLocks noChangeAspect="1"/>
+          </p:cNvPicPr>
+          <p:nvPr/>
+        </p:nvPicPr>
+        <p:blipFill>
+          <a:blip r:embed="rId2"/>
+          <a:stretch>
+            <a:fillRect/>
+          </a:stretch>
+        </p:blipFill>
+        <p:spPr>
+          <a:xfrm>
+            <a:off x="0" y="566928"/>
+            <a:ext cx="12188952" cy="5041504"/>
+          </a:xfrm>
+          <a:prstGeom prst="rect">
+            <a:avLst/>
+          </a:prstGeom>
+        </p:spPr>
+      </p:pic>
+    </p:spTree>
+  </p:cSld>
+  <p:clrMapOvr>
+    <a:masterClrMapping/>
+  </p:clrMapOvr>
+</p:sld>
+</file>
+
+<file path=ppt/slides/slide26.xml><?xml version="1.0" encoding="utf-8"?>
+<p:sld xmlns:a="http://schemas.openxmlformats.org/drawingml/2006/main" xmlns:p="http://schemas.openxmlformats.org/presentationml/2006/main" xmlns:r="http://schemas.openxmlformats.org/officeDocument/2006/relationships">
+  <p:cSld>
+    <p:spTree>
+      <p:nvGrpSpPr>
+        <p:cNvPr id="1" name=""/>
+        <p:cNvGrpSpPr/>
+        <p:nvPr/>
+      </p:nvGrpSpPr>
+      <p:grpSpPr/>
+      <p:sp>
+        <p:nvSpPr>
+          <p:cNvPr id="2" name="Title 1"/>
+          <p:cNvSpPr>
+            <a:spLocks noGrp="1"/>
+          </p:cNvSpPr>
+          <p:nvPr>
+            <p:ph type="title"/>
+          </p:nvPr>
+        </p:nvSpPr>
+        <p:spPr/>
+        <p:txBody>
+          <a:bodyPr/>
+          <a:lstStyle/>
+          <a:p>
+            <a:r>
+              <a:t>Installed Capacity</a:t>
+            </a:r>
+          </a:p>
+        </p:txBody>
+      </p:sp>
+      <p:pic>
+        <p:nvPicPr>
+          <p:cNvPr id="3" name="Picture 2" descr="image.png"/>
+          <p:cNvPicPr>
+            <a:picLocks noChangeAspect="1"/>
+          </p:cNvPicPr>
+          <p:nvPr/>
+        </p:nvPicPr>
+        <p:blipFill>
+          <a:blip r:embed="rId2"/>
+          <a:stretch>
+            <a:fillRect/>
+          </a:stretch>
+        </p:blipFill>
+        <p:spPr>
+          <a:xfrm>
+            <a:off x="0" y="566928"/>
+            <a:ext cx="12188952" cy="4984778"/>
+          </a:xfrm>
+          <a:prstGeom prst="rect">
+            <a:avLst/>
+          </a:prstGeom>
+        </p:spPr>
+      </p:pic>
+    </p:spTree>
+  </p:cSld>
+  <p:clrMapOvr>
+    <a:masterClrMapping/>
+  </p:clrMapOvr>
+</p:sld>
+</file>
+
 <file path=ppt/slides/slide3.xml><?xml version="1.0" encoding="utf-8"?>
 <p:sld xmlns:a="http://schemas.openxmlformats.org/drawingml/2006/main" xmlns:p="http://schemas.openxmlformats.org/presentationml/2006/main" xmlns:r="http://schemas.openxmlformats.org/officeDocument/2006/relationships">
   <p:cSld>
@@ -3617,7 +4129,7 @@
         <p:spPr>
           <a:xfrm>
             <a:off x="0" y="566928"/>
-            <a:ext cx="12188952" cy="5395815"/>
+            <a:ext cx="12188952" cy="5345654"/>
           </a:xfrm>
           <a:prstGeom prst="rect">
             <a:avLst/>
